--- a/KPZ_plakat.pptx
+++ b/KPZ_plakat.pptx
@@ -104,6 +104,11 @@
       </a:defRPr>
     </a:lvl9pPr>
   </p:defaultTextStyle>
+  <p:extLst>
+    <p:ext uri="{EFAFB233-063F-42B5-8137-9DF3F51BA10A}">
+      <p15:sldGuideLst xmlns:p15="http://schemas.microsoft.com/office/powerpoint/2012/main"/>
+    </p:ext>
+  </p:extLst>
 </p:presentation>
 </file>
 
@@ -112,212 +117,272 @@
   <c:date1904 val="0"/>
   <c:lang val="pl-PL"/>
   <c:roundedCorners val="0"/>
-  <c:style val="2"/>
+  <mc:AlternateContent xmlns:mc="http://schemas.openxmlformats.org/markup-compatibility/2006">
+    <mc:Choice xmlns:c14="http://schemas.microsoft.com/office/drawing/2007/8/2/chart" Requires="c14">
+      <c14:style val="102"/>
+    </mc:Choice>
+    <mc:Fallback>
+      <c:style val="2"/>
+    </mc:Fallback>
+  </mc:AlternateContent>
   <c:chart>
     <c:title>
-      <c:tx>
-        <c:rich>
-          <a:bodyPr lIns="0" tIns="0" rIns="0" bIns="0"/>
-          <a:lstStyle/>
-          <a:p>
-            <a:pPr marL="0" marR="0" indent="0" algn="ctr" defTabSz="914400" fontAlgn="auto" hangingPunct="1">
-              <a:lnSpc>
-                <a:spcPct val="100000"/>
-              </a:lnSpc>
-              <a:spcBef>
-                <a:spcPts val="0"/>
-              </a:spcBef>
-              <a:spcAft>
-                <a:spcPts val="0"/>
-              </a:spcAft>
-              <a:tabLst/>
-              <a:defRPr sz="1862" b="0" i="0" u="none" strike="noStrike" kern="1200" spc="0" baseline="0">
-                <a:solidFill>
-                  <a:srgbClr val="595959"/>
-                </a:solidFill>
-                <a:latin typeface="Calibri"/>
-              </a:defRPr>
-            </a:pPr>
-            <a:r>
-              <a:rPr lang="pl-PL" sz="1862" b="0" i="0" u="none" strike="noStrike" kern="1200" cap="none" spc="0" baseline="0">
-                <a:solidFill>
-                  <a:srgbClr val="595959"/>
-                </a:solidFill>
-                <a:uFillTx/>
-                <a:latin typeface="Calibri"/>
-              </a:rPr>
-              <a:t>Tytuł wykresu</a:t>
-            </a:r>
-          </a:p>
-        </c:rich>
-      </c:tx>
       <c:overlay val="0"/>
       <c:spPr>
         <a:noFill/>
         <a:ln>
           <a:noFill/>
         </a:ln>
+        <a:effectLst/>
       </c:spPr>
+      <c:txPr>
+        <a:bodyPr rot="0" spcFirstLastPara="1" vertOverflow="ellipsis" vert="horz" wrap="square" anchor="ctr" anchorCtr="1"/>
+        <a:lstStyle/>
+        <a:p>
+          <a:pPr>
+            <a:defRPr sz="1862" b="0" i="0" u="none" strike="noStrike" kern="1200" spc="0" baseline="0">
+              <a:solidFill>
+                <a:schemeClr val="tx1">
+                  <a:lumMod val="65000"/>
+                  <a:lumOff val="35000"/>
+                </a:schemeClr>
+              </a:solidFill>
+              <a:latin typeface="+mn-lt"/>
+              <a:ea typeface="+mn-ea"/>
+              <a:cs typeface="+mn-cs"/>
+            </a:defRPr>
+          </a:pPr>
+          <a:endParaRPr lang="pl-PL"/>
+        </a:p>
+      </c:txPr>
     </c:title>
     <c:autoTitleDeleted val="0"/>
     <c:plotArea>
       <c:layout/>
-      <c:barChart>
-        <c:barDir val="col"/>
-        <c:grouping val="clustered"/>
+      <c:lineChart>
+        <c:grouping val="standard"/>
         <c:varyColors val="0"/>
         <c:ser>
           <c:idx val="0"/>
           <c:order val="0"/>
           <c:tx>
-            <c:v>Seria 1</c:v>
+            <c:strRef>
+              <c:f>Arkusz1!$B$1</c:f>
+              <c:strCache>
+                <c:ptCount val="1"/>
+                <c:pt idx="0">
+                  <c:v>Seria 1</c:v>
+                </c:pt>
+              </c:strCache>
+            </c:strRef>
           </c:tx>
           <c:spPr>
-            <a:solidFill>
-              <a:srgbClr val="4472C4"/>
-            </a:solidFill>
-            <a:ln>
-              <a:noFill/>
+            <a:ln w="28575" cap="rnd">
+              <a:solidFill>
+                <a:schemeClr val="accent1"/>
+              </a:solidFill>
+              <a:round/>
             </a:ln>
+            <a:effectLst/>
           </c:spPr>
-          <c:invertIfNegative val="0"/>
+          <c:marker>
+            <c:symbol val="none"/>
+          </c:marker>
           <c:cat>
-            <c:strLit>
-              <c:ptCount val="4"/>
-              <c:pt idx="0">
-                <c:v>Kategoria 1</c:v>
-              </c:pt>
-              <c:pt idx="1">
-                <c:v>Kategoria 2</c:v>
-              </c:pt>
-              <c:pt idx="2">
-                <c:v>Kategoria 3</c:v>
-              </c:pt>
-              <c:pt idx="3">
-                <c:v>Kategoria 4</c:v>
-              </c:pt>
-            </c:strLit>
+            <c:strRef>
+              <c:f>Arkusz1!$A$2:$A$5</c:f>
+              <c:strCache>
+                <c:ptCount val="4"/>
+                <c:pt idx="0">
+                  <c:v>Kategoria 1</c:v>
+                </c:pt>
+                <c:pt idx="1">
+                  <c:v>Kategoria 2</c:v>
+                </c:pt>
+                <c:pt idx="2">
+                  <c:v>Kategoria 3</c:v>
+                </c:pt>
+                <c:pt idx="3">
+                  <c:v>Kategoria 4</c:v>
+                </c:pt>
+              </c:strCache>
+            </c:strRef>
           </c:cat>
           <c:val>
-            <c:numLit>
-              <c:formatCode>General</c:formatCode>
-              <c:ptCount val="4"/>
-              <c:pt idx="0">
-                <c:v>4.3</c:v>
-              </c:pt>
-              <c:pt idx="1">
-                <c:v>2.5</c:v>
-              </c:pt>
-              <c:pt idx="2">
-                <c:v>3.5</c:v>
-              </c:pt>
-              <c:pt idx="3">
-                <c:v>4.5</c:v>
-              </c:pt>
-            </c:numLit>
+            <c:numRef>
+              <c:f>Arkusz1!$B$2:$B$5</c:f>
+              <c:numCache>
+                <c:formatCode>General</c:formatCode>
+                <c:ptCount val="4"/>
+                <c:pt idx="0">
+                  <c:v>4.3</c:v>
+                </c:pt>
+                <c:pt idx="1">
+                  <c:v>2.5</c:v>
+                </c:pt>
+                <c:pt idx="2">
+                  <c:v>3.5</c:v>
+                </c:pt>
+                <c:pt idx="3">
+                  <c:v>4.5</c:v>
+                </c:pt>
+              </c:numCache>
+            </c:numRef>
           </c:val>
+          <c:smooth val="0"/>
+          <c:extLst>
+            <c:ext xmlns:c16="http://schemas.microsoft.com/office/drawing/2014/chart" uri="{C3380CC4-5D6E-409C-BE32-E72D297353CC}">
+              <c16:uniqueId val="{00000000-671D-4DB5-BDDD-228B30B9294D}"/>
+            </c:ext>
+          </c:extLst>
         </c:ser>
         <c:ser>
           <c:idx val="1"/>
           <c:order val="1"/>
           <c:tx>
-            <c:v>Seria 2</c:v>
+            <c:strRef>
+              <c:f>Arkusz1!$C$1</c:f>
+              <c:strCache>
+                <c:ptCount val="1"/>
+                <c:pt idx="0">
+                  <c:v>Seria 2</c:v>
+                </c:pt>
+              </c:strCache>
+            </c:strRef>
           </c:tx>
           <c:spPr>
-            <a:solidFill>
-              <a:srgbClr val="ED7D31"/>
-            </a:solidFill>
-            <a:ln>
-              <a:noFill/>
+            <a:ln w="28575" cap="rnd">
+              <a:solidFill>
+                <a:schemeClr val="accent2"/>
+              </a:solidFill>
+              <a:round/>
             </a:ln>
+            <a:effectLst/>
           </c:spPr>
-          <c:invertIfNegative val="0"/>
+          <c:marker>
+            <c:symbol val="none"/>
+          </c:marker>
           <c:cat>
-            <c:strLit>
-              <c:ptCount val="4"/>
-              <c:pt idx="0">
-                <c:v>Kategoria 1</c:v>
-              </c:pt>
-              <c:pt idx="1">
-                <c:v>Kategoria 2</c:v>
-              </c:pt>
-              <c:pt idx="2">
-                <c:v>Kategoria 3</c:v>
-              </c:pt>
-              <c:pt idx="3">
-                <c:v>Kategoria 4</c:v>
-              </c:pt>
-            </c:strLit>
+            <c:strRef>
+              <c:f>Arkusz1!$A$2:$A$5</c:f>
+              <c:strCache>
+                <c:ptCount val="4"/>
+                <c:pt idx="0">
+                  <c:v>Kategoria 1</c:v>
+                </c:pt>
+                <c:pt idx="1">
+                  <c:v>Kategoria 2</c:v>
+                </c:pt>
+                <c:pt idx="2">
+                  <c:v>Kategoria 3</c:v>
+                </c:pt>
+                <c:pt idx="3">
+                  <c:v>Kategoria 4</c:v>
+                </c:pt>
+              </c:strCache>
+            </c:strRef>
           </c:cat>
           <c:val>
-            <c:numLit>
-              <c:formatCode>General</c:formatCode>
-              <c:ptCount val="4"/>
-              <c:pt idx="0">
-                <c:v>2.4</c:v>
-              </c:pt>
-              <c:pt idx="1">
-                <c:v>4.4000000000000004</c:v>
-              </c:pt>
-              <c:pt idx="2">
-                <c:v>1.8</c:v>
-              </c:pt>
-              <c:pt idx="3">
-                <c:v>2.8</c:v>
-              </c:pt>
-            </c:numLit>
+            <c:numRef>
+              <c:f>Arkusz1!$C$2:$C$5</c:f>
+              <c:numCache>
+                <c:formatCode>General</c:formatCode>
+                <c:ptCount val="4"/>
+                <c:pt idx="0">
+                  <c:v>2.4</c:v>
+                </c:pt>
+                <c:pt idx="1">
+                  <c:v>4.4000000000000004</c:v>
+                </c:pt>
+                <c:pt idx="2">
+                  <c:v>1.8</c:v>
+                </c:pt>
+                <c:pt idx="3">
+                  <c:v>2.8</c:v>
+                </c:pt>
+              </c:numCache>
+            </c:numRef>
           </c:val>
+          <c:smooth val="0"/>
+          <c:extLst>
+            <c:ext xmlns:c16="http://schemas.microsoft.com/office/drawing/2014/chart" uri="{C3380CC4-5D6E-409C-BE32-E72D297353CC}">
+              <c16:uniqueId val="{00000001-671D-4DB5-BDDD-228B30B9294D}"/>
+            </c:ext>
+          </c:extLst>
         </c:ser>
         <c:ser>
           <c:idx val="2"/>
           <c:order val="2"/>
           <c:tx>
-            <c:v>Seria 3</c:v>
+            <c:strRef>
+              <c:f>Arkusz1!$D$1</c:f>
+              <c:strCache>
+                <c:ptCount val="1"/>
+                <c:pt idx="0">
+                  <c:v>Seria 3</c:v>
+                </c:pt>
+              </c:strCache>
+            </c:strRef>
           </c:tx>
           <c:spPr>
-            <a:solidFill>
-              <a:srgbClr val="A5A5A5"/>
-            </a:solidFill>
-            <a:ln>
-              <a:noFill/>
+            <a:ln w="28575" cap="rnd">
+              <a:solidFill>
+                <a:schemeClr val="accent3"/>
+              </a:solidFill>
+              <a:round/>
             </a:ln>
+            <a:effectLst/>
           </c:spPr>
-          <c:invertIfNegative val="0"/>
+          <c:marker>
+            <c:symbol val="none"/>
+          </c:marker>
           <c:cat>
-            <c:strLit>
-              <c:ptCount val="4"/>
-              <c:pt idx="0">
-                <c:v>Kategoria 1</c:v>
-              </c:pt>
-              <c:pt idx="1">
-                <c:v>Kategoria 2</c:v>
-              </c:pt>
-              <c:pt idx="2">
-                <c:v>Kategoria 3</c:v>
-              </c:pt>
-              <c:pt idx="3">
-                <c:v>Kategoria 4</c:v>
-              </c:pt>
-            </c:strLit>
+            <c:strRef>
+              <c:f>Arkusz1!$A$2:$A$5</c:f>
+              <c:strCache>
+                <c:ptCount val="4"/>
+                <c:pt idx="0">
+                  <c:v>Kategoria 1</c:v>
+                </c:pt>
+                <c:pt idx="1">
+                  <c:v>Kategoria 2</c:v>
+                </c:pt>
+                <c:pt idx="2">
+                  <c:v>Kategoria 3</c:v>
+                </c:pt>
+                <c:pt idx="3">
+                  <c:v>Kategoria 4</c:v>
+                </c:pt>
+              </c:strCache>
+            </c:strRef>
           </c:cat>
           <c:val>
-            <c:numLit>
-              <c:formatCode>General</c:formatCode>
-              <c:ptCount val="4"/>
-              <c:pt idx="0">
-                <c:v>2</c:v>
-              </c:pt>
-              <c:pt idx="1">
-                <c:v>2</c:v>
-              </c:pt>
-              <c:pt idx="2">
-                <c:v>3</c:v>
-              </c:pt>
-              <c:pt idx="3">
-                <c:v>5</c:v>
-              </c:pt>
-            </c:numLit>
+            <c:numRef>
+              <c:f>Arkusz1!$D$2:$D$5</c:f>
+              <c:numCache>
+                <c:formatCode>General</c:formatCode>
+                <c:ptCount val="4"/>
+                <c:pt idx="0">
+                  <c:v>2</c:v>
+                </c:pt>
+                <c:pt idx="1">
+                  <c:v>2</c:v>
+                </c:pt>
+                <c:pt idx="2">
+                  <c:v>3</c:v>
+                </c:pt>
+                <c:pt idx="3">
+                  <c:v>5</c:v>
+                </c:pt>
+              </c:numCache>
+            </c:numRef>
           </c:val>
+          <c:smooth val="0"/>
+          <c:extLst>
+            <c:ext xmlns:c16="http://schemas.microsoft.com/office/drawing/2014/chart" uri="{C3380CC4-5D6E-409C-BE32-E72D297353CC}">
+              <c16:uniqueId val="{00000002-671D-4DB5-BDDD-228B30B9294D}"/>
+            </c:ext>
+          </c:extLst>
         </c:ser>
         <c:dLbls>
           <c:showLegendKey val="0"/>
@@ -327,13 +392,63 @@
           <c:showPercent val="0"/>
           <c:showBubbleSize val="0"/>
         </c:dLbls>
-        <c:gapWidth val="219"/>
-        <c:overlap val="-27"/>
-        <c:axId val="443352464"/>
-        <c:axId val="443349840"/>
-      </c:barChart>
+        <c:smooth val="0"/>
+        <c:axId val="403100872"/>
+        <c:axId val="403101200"/>
+      </c:lineChart>
+      <c:catAx>
+        <c:axId val="403100872"/>
+        <c:scaling>
+          <c:orientation val="minMax"/>
+        </c:scaling>
+        <c:delete val="0"/>
+        <c:axPos val="b"/>
+        <c:numFmt formatCode="General" sourceLinked="1"/>
+        <c:majorTickMark val="none"/>
+        <c:minorTickMark val="none"/>
+        <c:tickLblPos val="nextTo"/>
+        <c:spPr>
+          <a:noFill/>
+          <a:ln w="9525" cap="flat" cmpd="sng" algn="ctr">
+            <a:solidFill>
+              <a:schemeClr val="tx1">
+                <a:lumMod val="15000"/>
+                <a:lumOff val="85000"/>
+              </a:schemeClr>
+            </a:solidFill>
+            <a:round/>
+          </a:ln>
+          <a:effectLst/>
+        </c:spPr>
+        <c:txPr>
+          <a:bodyPr rot="-60000000" spcFirstLastPara="1" vertOverflow="ellipsis" vert="horz" wrap="square" anchor="ctr" anchorCtr="1"/>
+          <a:lstStyle/>
+          <a:p>
+            <a:pPr>
+              <a:defRPr sz="1197" b="0" i="0" u="none" strike="noStrike" kern="1200" baseline="0">
+                <a:solidFill>
+                  <a:schemeClr val="tx1">
+                    <a:lumMod val="65000"/>
+                    <a:lumOff val="35000"/>
+                  </a:schemeClr>
+                </a:solidFill>
+                <a:latin typeface="+mn-lt"/>
+                <a:ea typeface="+mn-ea"/>
+                <a:cs typeface="+mn-cs"/>
+              </a:defRPr>
+            </a:pPr>
+            <a:endParaRPr lang="pl-PL"/>
+          </a:p>
+        </c:txPr>
+        <c:crossAx val="403101200"/>
+        <c:crosses val="autoZero"/>
+        <c:auto val="1"/>
+        <c:lblAlgn val="ctr"/>
+        <c:lblOffset val="100"/>
+        <c:noMultiLvlLbl val="0"/>
+      </c:catAx>
       <c:valAx>
-        <c:axId val="443349840"/>
+        <c:axId val="403101200"/>
         <c:scaling>
           <c:orientation val="minMax"/>
         </c:scaling>
@@ -341,16 +456,19 @@
         <c:axPos val="l"/>
         <c:majorGridlines>
           <c:spPr>
-            <a:ln w="9528" cap="flat">
+            <a:ln w="9525" cap="flat" cmpd="sng" algn="ctr">
               <a:solidFill>
-                <a:srgbClr val="D9D9D9"/>
+                <a:schemeClr val="tx1">
+                  <a:lumMod val="15000"/>
+                  <a:lumOff val="85000"/>
+                </a:schemeClr>
               </a:solidFill>
-              <a:prstDash val="solid"/>
               <a:round/>
             </a:ln>
+            <a:effectLst/>
           </c:spPr>
         </c:majorGridlines>
-        <c:numFmt formatCode="General" sourceLinked="0"/>
+        <c:numFmt formatCode="General" sourceLinked="1"/>
         <c:majorTickMark val="none"/>
         <c:minorTickMark val="none"/>
         <c:tickLblPos val="nextTo"/>
@@ -359,94 +477,38 @@
           <a:ln>
             <a:noFill/>
           </a:ln>
+          <a:effectLst/>
         </c:spPr>
         <c:txPr>
-          <a:bodyPr lIns="0" tIns="0" rIns="0" bIns="0"/>
+          <a:bodyPr rot="-60000000" spcFirstLastPara="1" vertOverflow="ellipsis" vert="horz" wrap="square" anchor="ctr" anchorCtr="1"/>
           <a:lstStyle/>
           <a:p>
-            <a:pPr marL="0" marR="0" indent="0" defTabSz="914400" fontAlgn="auto" hangingPunct="1">
-              <a:lnSpc>
-                <a:spcPct val="100000"/>
-              </a:lnSpc>
-              <a:spcBef>
-                <a:spcPts val="0"/>
-              </a:spcBef>
-              <a:spcAft>
-                <a:spcPts val="0"/>
-              </a:spcAft>
-              <a:tabLst/>
+            <a:pPr>
               <a:defRPr sz="1197" b="0" i="0" u="none" strike="noStrike" kern="1200" baseline="0">
                 <a:solidFill>
-                  <a:srgbClr val="595959"/>
+                  <a:schemeClr val="tx1">
+                    <a:lumMod val="65000"/>
+                    <a:lumOff val="35000"/>
+                  </a:schemeClr>
                 </a:solidFill>
-                <a:latin typeface="Calibri"/>
+                <a:latin typeface="+mn-lt"/>
+                <a:ea typeface="+mn-ea"/>
+                <a:cs typeface="+mn-cs"/>
               </a:defRPr>
             </a:pPr>
             <a:endParaRPr lang="pl-PL"/>
           </a:p>
         </c:txPr>
-        <c:crossAx val="443352464"/>
+        <c:crossAx val="403100872"/>
         <c:crosses val="autoZero"/>
         <c:crossBetween val="between"/>
       </c:valAx>
-      <c:catAx>
-        <c:axId val="443352464"/>
-        <c:scaling>
-          <c:orientation val="minMax"/>
-        </c:scaling>
-        <c:delete val="0"/>
-        <c:axPos val="b"/>
-        <c:numFmt formatCode="General" sourceLinked="0"/>
-        <c:majorTickMark val="none"/>
-        <c:minorTickMark val="none"/>
-        <c:tickLblPos val="nextTo"/>
-        <c:spPr>
-          <a:noFill/>
-          <a:ln w="9528" cap="flat">
-            <a:solidFill>
-              <a:srgbClr val="D9D9D9"/>
-            </a:solidFill>
-            <a:prstDash val="solid"/>
-            <a:round/>
-          </a:ln>
-        </c:spPr>
-        <c:txPr>
-          <a:bodyPr lIns="0" tIns="0" rIns="0" bIns="0"/>
-          <a:lstStyle/>
-          <a:p>
-            <a:pPr marL="0" marR="0" indent="0" defTabSz="914400" fontAlgn="auto" hangingPunct="1">
-              <a:lnSpc>
-                <a:spcPct val="100000"/>
-              </a:lnSpc>
-              <a:spcBef>
-                <a:spcPts val="0"/>
-              </a:spcBef>
-              <a:spcAft>
-                <a:spcPts val="0"/>
-              </a:spcAft>
-              <a:tabLst/>
-              <a:defRPr sz="1197" b="0" i="0" u="none" strike="noStrike" kern="1200" baseline="0">
-                <a:solidFill>
-                  <a:srgbClr val="595959"/>
-                </a:solidFill>
-                <a:latin typeface="Calibri"/>
-              </a:defRPr>
-            </a:pPr>
-            <a:endParaRPr lang="pl-PL"/>
-          </a:p>
-        </c:txPr>
-        <c:crossAx val="443349840"/>
-        <c:crosses val="autoZero"/>
-        <c:auto val="1"/>
-        <c:lblAlgn val="ctr"/>
-        <c:lblOffset val="100"/>
-        <c:noMultiLvlLbl val="0"/>
-      </c:catAx>
       <c:spPr>
         <a:noFill/>
         <a:ln>
           <a:noFill/>
         </a:ln>
+        <a:effectLst/>
       </c:spPr>
     </c:plotArea>
     <c:legend>
@@ -457,27 +519,23 @@
         <a:ln>
           <a:noFill/>
         </a:ln>
+        <a:effectLst/>
       </c:spPr>
       <c:txPr>
-        <a:bodyPr lIns="0" tIns="0" rIns="0" bIns="0"/>
+        <a:bodyPr rot="0" spcFirstLastPara="1" vertOverflow="ellipsis" vert="horz" wrap="square" anchor="ctr" anchorCtr="1"/>
         <a:lstStyle/>
         <a:p>
-          <a:pPr marL="0" marR="0" indent="0" defTabSz="914400" fontAlgn="auto" hangingPunct="1">
-            <a:lnSpc>
-              <a:spcPct val="100000"/>
-            </a:lnSpc>
-            <a:spcBef>
-              <a:spcPts val="0"/>
-            </a:spcBef>
-            <a:spcAft>
-              <a:spcPts val="0"/>
-            </a:spcAft>
-            <a:tabLst/>
+          <a:pPr>
             <a:defRPr sz="1197" b="0" i="0" u="none" strike="noStrike" kern="1200" baseline="0">
               <a:solidFill>
-                <a:srgbClr val="595959"/>
+                <a:schemeClr val="tx1">
+                  <a:lumMod val="65000"/>
+                  <a:lumOff val="35000"/>
+                </a:schemeClr>
               </a:solidFill>
-              <a:latin typeface="Calibri"/>
+              <a:latin typeface="+mn-lt"/>
+              <a:ea typeface="+mn-ea"/>
+              <a:cs typeface="+mn-cs"/>
             </a:defRPr>
           </a:pPr>
           <a:endParaRPr lang="pl-PL"/>
@@ -486,45 +544,594 @@
     </c:legend>
     <c:plotVisOnly val="1"/>
     <c:dispBlanksAs val="gap"/>
+    <c:extLst>
+      <c:ext xmlns:c16r3="http://schemas.microsoft.com/office/drawing/2017/03/chart" uri="{56B9EC1D-385E-4148-901F-78D8002777C0}">
+        <c16r3:dataDisplayOptions16>
+          <c16r3:dispNaAsBlank val="1"/>
+        </c16r3:dataDisplayOptions16>
+      </c:ext>
+    </c:extLst>
     <c:showDLblsOverMax val="0"/>
   </c:chart>
   <c:spPr>
     <a:solidFill>
-      <a:srgbClr val="FFFFFF"/>
+      <a:schemeClr val="bg1"/>
     </a:solidFill>
     <a:ln>
       <a:noFill/>
     </a:ln>
+    <a:effectLst/>
   </c:spPr>
   <c:txPr>
-    <a:bodyPr lIns="0" tIns="0" rIns="0" bIns="0"/>
+    <a:bodyPr/>
     <a:lstStyle/>
     <a:p>
-      <a:pPr marL="0" marR="0" indent="0" defTabSz="914400" fontAlgn="auto" hangingPunct="1">
-        <a:lnSpc>
-          <a:spcPct val="100000"/>
-        </a:lnSpc>
-        <a:spcBef>
-          <a:spcPts val="0"/>
-        </a:spcBef>
-        <a:spcAft>
-          <a:spcPts val="0"/>
-        </a:spcAft>
-        <a:tabLst/>
-        <a:defRPr lang="pl-PL" sz="1330" b="0" i="0" u="none" strike="noStrike" kern="1200" baseline="0">
-          <a:solidFill>
-            <a:srgbClr val="000000"/>
-          </a:solidFill>
-          <a:latin typeface="Calibri"/>
-        </a:defRPr>
+      <a:pPr>
+        <a:defRPr/>
       </a:pPr>
       <a:endParaRPr lang="pl-PL"/>
     </a:p>
   </c:txPr>
-  <c:externalData r:id="rId1">
+  <c:externalData r:id="rId3">
     <c:autoUpdate val="0"/>
   </c:externalData>
 </c:chartSpace>
+</file>
+
+<file path=ppt/charts/colors1.xml><?xml version="1.0" encoding="utf-8"?>
+<cs:colorStyle xmlns:cs="http://schemas.microsoft.com/office/drawing/2012/chartStyle" xmlns:a="http://schemas.openxmlformats.org/drawingml/2006/main" meth="cycle" id="10">
+  <a:schemeClr val="accent1"/>
+  <a:schemeClr val="accent2"/>
+  <a:schemeClr val="accent3"/>
+  <a:schemeClr val="accent4"/>
+  <a:schemeClr val="accent5"/>
+  <a:schemeClr val="accent6"/>
+  <cs:variation/>
+  <cs:variation>
+    <a:lumMod val="60000"/>
+  </cs:variation>
+  <cs:variation>
+    <a:lumMod val="80000"/>
+    <a:lumOff val="20000"/>
+  </cs:variation>
+  <cs:variation>
+    <a:lumMod val="80000"/>
+  </cs:variation>
+  <cs:variation>
+    <a:lumMod val="60000"/>
+    <a:lumOff val="40000"/>
+  </cs:variation>
+  <cs:variation>
+    <a:lumMod val="50000"/>
+  </cs:variation>
+  <cs:variation>
+    <a:lumMod val="70000"/>
+    <a:lumOff val="30000"/>
+  </cs:variation>
+  <cs:variation>
+    <a:lumMod val="70000"/>
+  </cs:variation>
+  <cs:variation>
+    <a:lumMod val="50000"/>
+    <a:lumOff val="50000"/>
+  </cs:variation>
+</cs:colorStyle>
+</file>
+
+<file path=ppt/charts/style1.xml><?xml version="1.0" encoding="utf-8"?>
+<cs:chartStyle xmlns:cs="http://schemas.microsoft.com/office/drawing/2012/chartStyle" xmlns:a="http://schemas.openxmlformats.org/drawingml/2006/main" id="227">
+  <cs:axisTitle>
+    <cs:lnRef idx="0"/>
+    <cs:fillRef idx="0"/>
+    <cs:effectRef idx="0"/>
+    <cs:fontRef idx="minor">
+      <a:schemeClr val="tx1">
+        <a:lumMod val="65000"/>
+        <a:lumOff val="35000"/>
+      </a:schemeClr>
+    </cs:fontRef>
+    <cs:defRPr sz="1330" kern="1200"/>
+  </cs:axisTitle>
+  <cs:categoryAxis>
+    <cs:lnRef idx="0"/>
+    <cs:fillRef idx="0"/>
+    <cs:effectRef idx="0"/>
+    <cs:fontRef idx="minor">
+      <a:schemeClr val="tx1">
+        <a:lumMod val="65000"/>
+        <a:lumOff val="35000"/>
+      </a:schemeClr>
+    </cs:fontRef>
+    <cs:spPr>
+      <a:ln w="9525" cap="flat" cmpd="sng" algn="ctr">
+        <a:solidFill>
+          <a:schemeClr val="tx1">
+            <a:lumMod val="15000"/>
+            <a:lumOff val="85000"/>
+          </a:schemeClr>
+        </a:solidFill>
+        <a:round/>
+      </a:ln>
+    </cs:spPr>
+    <cs:defRPr sz="1197" kern="1200"/>
+  </cs:categoryAxis>
+  <cs:chartArea mods="allowNoFillOverride allowNoLineOverride">
+    <cs:lnRef idx="0"/>
+    <cs:fillRef idx="0"/>
+    <cs:effectRef idx="0"/>
+    <cs:fontRef idx="minor">
+      <a:schemeClr val="tx1"/>
+    </cs:fontRef>
+    <cs:spPr>
+      <a:solidFill>
+        <a:schemeClr val="bg1"/>
+      </a:solidFill>
+      <a:ln w="9525" cap="flat" cmpd="sng" algn="ctr">
+        <a:solidFill>
+          <a:schemeClr val="tx1">
+            <a:lumMod val="15000"/>
+            <a:lumOff val="85000"/>
+          </a:schemeClr>
+        </a:solidFill>
+        <a:round/>
+      </a:ln>
+    </cs:spPr>
+    <cs:defRPr sz="1330" kern="1200"/>
+  </cs:chartArea>
+  <cs:dataLabel>
+    <cs:lnRef idx="0"/>
+    <cs:fillRef idx="0"/>
+    <cs:effectRef idx="0"/>
+    <cs:fontRef idx="minor">
+      <a:schemeClr val="tx1">
+        <a:lumMod val="75000"/>
+        <a:lumOff val="25000"/>
+      </a:schemeClr>
+    </cs:fontRef>
+    <cs:defRPr sz="1197" kern="1200"/>
+  </cs:dataLabel>
+  <cs:dataLabelCallout>
+    <cs:lnRef idx="0"/>
+    <cs:fillRef idx="0"/>
+    <cs:effectRef idx="0"/>
+    <cs:fontRef idx="minor">
+      <a:schemeClr val="dk1">
+        <a:lumMod val="65000"/>
+        <a:lumOff val="35000"/>
+      </a:schemeClr>
+    </cs:fontRef>
+    <cs:spPr>
+      <a:solidFill>
+        <a:schemeClr val="lt1"/>
+      </a:solidFill>
+      <a:ln>
+        <a:solidFill>
+          <a:schemeClr val="dk1">
+            <a:lumMod val="25000"/>
+            <a:lumOff val="75000"/>
+          </a:schemeClr>
+        </a:solidFill>
+      </a:ln>
+    </cs:spPr>
+    <cs:defRPr sz="1197" kern="1200"/>
+    <cs:bodyPr rot="0" spcFirstLastPara="1" vertOverflow="clip" horzOverflow="clip" vert="horz" wrap="square" lIns="36576" tIns="18288" rIns="36576" bIns="18288" anchor="ctr" anchorCtr="1">
+      <a:spAutoFit/>
+    </cs:bodyPr>
+  </cs:dataLabelCallout>
+  <cs:dataPoint>
+    <cs:lnRef idx="0"/>
+    <cs:fillRef idx="1">
+      <cs:styleClr val="auto"/>
+    </cs:fillRef>
+    <cs:effectRef idx="0"/>
+    <cs:fontRef idx="minor">
+      <a:schemeClr val="tx1"/>
+    </cs:fontRef>
+    <cs:spPr>
+      <a:solidFill>
+        <a:schemeClr val="phClr"/>
+      </a:solidFill>
+    </cs:spPr>
+  </cs:dataPoint>
+  <cs:dataPoint3D>
+    <cs:lnRef idx="0"/>
+    <cs:fillRef idx="1">
+      <cs:styleClr val="auto"/>
+    </cs:fillRef>
+    <cs:effectRef idx="0"/>
+    <cs:fontRef idx="minor">
+      <a:schemeClr val="tx1"/>
+    </cs:fontRef>
+    <cs:spPr>
+      <a:solidFill>
+        <a:schemeClr val="phClr"/>
+      </a:solidFill>
+    </cs:spPr>
+  </cs:dataPoint3D>
+  <cs:dataPointLine>
+    <cs:lnRef idx="0">
+      <cs:styleClr val="auto"/>
+    </cs:lnRef>
+    <cs:fillRef idx="1"/>
+    <cs:effectRef idx="0"/>
+    <cs:fontRef idx="minor">
+      <a:schemeClr val="tx1"/>
+    </cs:fontRef>
+    <cs:spPr>
+      <a:ln w="28575" cap="rnd">
+        <a:solidFill>
+          <a:schemeClr val="phClr"/>
+        </a:solidFill>
+        <a:round/>
+      </a:ln>
+    </cs:spPr>
+  </cs:dataPointLine>
+  <cs:dataPointMarker>
+    <cs:lnRef idx="0">
+      <cs:styleClr val="auto"/>
+    </cs:lnRef>
+    <cs:fillRef idx="1">
+      <cs:styleClr val="auto"/>
+    </cs:fillRef>
+    <cs:effectRef idx="0"/>
+    <cs:fontRef idx="minor">
+      <a:schemeClr val="tx1"/>
+    </cs:fontRef>
+    <cs:spPr>
+      <a:solidFill>
+        <a:schemeClr val="phClr"/>
+      </a:solidFill>
+      <a:ln w="9525">
+        <a:solidFill>
+          <a:schemeClr val="phClr"/>
+        </a:solidFill>
+      </a:ln>
+    </cs:spPr>
+  </cs:dataPointMarker>
+  <cs:dataPointMarkerLayout symbol="circle" size="5"/>
+  <cs:dataPointWireframe>
+    <cs:lnRef idx="0">
+      <cs:styleClr val="auto"/>
+    </cs:lnRef>
+    <cs:fillRef idx="1"/>
+    <cs:effectRef idx="0"/>
+    <cs:fontRef idx="minor">
+      <a:schemeClr val="tx1"/>
+    </cs:fontRef>
+    <cs:spPr>
+      <a:ln w="9525" cap="rnd">
+        <a:solidFill>
+          <a:schemeClr val="phClr"/>
+        </a:solidFill>
+        <a:round/>
+      </a:ln>
+    </cs:spPr>
+  </cs:dataPointWireframe>
+  <cs:dataTable>
+    <cs:lnRef idx="0"/>
+    <cs:fillRef idx="0"/>
+    <cs:effectRef idx="0"/>
+    <cs:fontRef idx="minor">
+      <a:schemeClr val="tx1">
+        <a:lumMod val="65000"/>
+        <a:lumOff val="35000"/>
+      </a:schemeClr>
+    </cs:fontRef>
+    <cs:spPr>
+      <a:noFill/>
+      <a:ln w="9525" cap="flat" cmpd="sng" algn="ctr">
+        <a:solidFill>
+          <a:schemeClr val="tx1">
+            <a:lumMod val="15000"/>
+            <a:lumOff val="85000"/>
+          </a:schemeClr>
+        </a:solidFill>
+        <a:round/>
+      </a:ln>
+    </cs:spPr>
+    <cs:defRPr sz="1197" kern="1200"/>
+  </cs:dataTable>
+  <cs:downBar>
+    <cs:lnRef idx="0"/>
+    <cs:fillRef idx="0"/>
+    <cs:effectRef idx="0"/>
+    <cs:fontRef idx="minor">
+      <a:schemeClr val="dk1"/>
+    </cs:fontRef>
+    <cs:spPr>
+      <a:solidFill>
+        <a:schemeClr val="dk1">
+          <a:lumMod val="65000"/>
+          <a:lumOff val="35000"/>
+        </a:schemeClr>
+      </a:solidFill>
+      <a:ln w="9525">
+        <a:solidFill>
+          <a:schemeClr val="tx1">
+            <a:lumMod val="65000"/>
+            <a:lumOff val="35000"/>
+          </a:schemeClr>
+        </a:solidFill>
+      </a:ln>
+    </cs:spPr>
+  </cs:downBar>
+  <cs:dropLine>
+    <cs:lnRef idx="0"/>
+    <cs:fillRef idx="0"/>
+    <cs:effectRef idx="0"/>
+    <cs:fontRef idx="minor">
+      <a:schemeClr val="tx1"/>
+    </cs:fontRef>
+    <cs:spPr>
+      <a:ln w="9525" cap="flat" cmpd="sng" algn="ctr">
+        <a:solidFill>
+          <a:schemeClr val="tx1">
+            <a:lumMod val="35000"/>
+            <a:lumOff val="65000"/>
+          </a:schemeClr>
+        </a:solidFill>
+        <a:round/>
+      </a:ln>
+    </cs:spPr>
+  </cs:dropLine>
+  <cs:errorBar>
+    <cs:lnRef idx="0"/>
+    <cs:fillRef idx="0"/>
+    <cs:effectRef idx="0"/>
+    <cs:fontRef idx="minor">
+      <a:schemeClr val="tx1"/>
+    </cs:fontRef>
+    <cs:spPr>
+      <a:ln w="9525" cap="flat" cmpd="sng" algn="ctr">
+        <a:solidFill>
+          <a:schemeClr val="tx1">
+            <a:lumMod val="65000"/>
+            <a:lumOff val="35000"/>
+          </a:schemeClr>
+        </a:solidFill>
+        <a:round/>
+      </a:ln>
+    </cs:spPr>
+  </cs:errorBar>
+  <cs:floor>
+    <cs:lnRef idx="0"/>
+    <cs:fillRef idx="0"/>
+    <cs:effectRef idx="0"/>
+    <cs:fontRef idx="minor">
+      <a:schemeClr val="tx1"/>
+    </cs:fontRef>
+    <cs:spPr>
+      <a:noFill/>
+      <a:ln>
+        <a:noFill/>
+      </a:ln>
+    </cs:spPr>
+  </cs:floor>
+  <cs:gridlineMajor>
+    <cs:lnRef idx="0"/>
+    <cs:fillRef idx="0"/>
+    <cs:effectRef idx="0"/>
+    <cs:fontRef idx="minor">
+      <a:schemeClr val="tx1"/>
+    </cs:fontRef>
+    <cs:spPr>
+      <a:ln w="9525" cap="flat" cmpd="sng" algn="ctr">
+        <a:solidFill>
+          <a:schemeClr val="tx1">
+            <a:lumMod val="15000"/>
+            <a:lumOff val="85000"/>
+          </a:schemeClr>
+        </a:solidFill>
+        <a:round/>
+      </a:ln>
+    </cs:spPr>
+  </cs:gridlineMajor>
+  <cs:gridlineMinor>
+    <cs:lnRef idx="0"/>
+    <cs:fillRef idx="0"/>
+    <cs:effectRef idx="0"/>
+    <cs:fontRef idx="minor">
+      <a:schemeClr val="tx1"/>
+    </cs:fontRef>
+    <cs:spPr>
+      <a:ln w="9525" cap="flat" cmpd="sng" algn="ctr">
+        <a:solidFill>
+          <a:schemeClr val="tx1">
+            <a:lumMod val="5000"/>
+            <a:lumOff val="95000"/>
+          </a:schemeClr>
+        </a:solidFill>
+        <a:round/>
+      </a:ln>
+    </cs:spPr>
+  </cs:gridlineMinor>
+  <cs:hiLoLine>
+    <cs:lnRef idx="0"/>
+    <cs:fillRef idx="0"/>
+    <cs:effectRef idx="0"/>
+    <cs:fontRef idx="minor">
+      <a:schemeClr val="tx1"/>
+    </cs:fontRef>
+    <cs:spPr>
+      <a:ln w="9525" cap="flat" cmpd="sng" algn="ctr">
+        <a:solidFill>
+          <a:schemeClr val="tx1">
+            <a:lumMod val="75000"/>
+            <a:lumOff val="25000"/>
+          </a:schemeClr>
+        </a:solidFill>
+        <a:round/>
+      </a:ln>
+    </cs:spPr>
+  </cs:hiLoLine>
+  <cs:leaderLine>
+    <cs:lnRef idx="0"/>
+    <cs:fillRef idx="0"/>
+    <cs:effectRef idx="0"/>
+    <cs:fontRef idx="minor">
+      <a:schemeClr val="tx1"/>
+    </cs:fontRef>
+    <cs:spPr>
+      <a:ln w="9525" cap="flat" cmpd="sng" algn="ctr">
+        <a:solidFill>
+          <a:schemeClr val="tx1">
+            <a:lumMod val="35000"/>
+            <a:lumOff val="65000"/>
+          </a:schemeClr>
+        </a:solidFill>
+        <a:round/>
+      </a:ln>
+    </cs:spPr>
+  </cs:leaderLine>
+  <cs:legend>
+    <cs:lnRef idx="0"/>
+    <cs:fillRef idx="0"/>
+    <cs:effectRef idx="0"/>
+    <cs:fontRef idx="minor">
+      <a:schemeClr val="tx1">
+        <a:lumMod val="65000"/>
+        <a:lumOff val="35000"/>
+      </a:schemeClr>
+    </cs:fontRef>
+    <cs:defRPr sz="1197" kern="1200"/>
+  </cs:legend>
+  <cs:plotArea mods="allowNoFillOverride allowNoLineOverride">
+    <cs:lnRef idx="0"/>
+    <cs:fillRef idx="0"/>
+    <cs:effectRef idx="0"/>
+    <cs:fontRef idx="minor">
+      <a:schemeClr val="tx1"/>
+    </cs:fontRef>
+  </cs:plotArea>
+  <cs:plotArea3D mods="allowNoFillOverride allowNoLineOverride">
+    <cs:lnRef idx="0"/>
+    <cs:fillRef idx="0"/>
+    <cs:effectRef idx="0"/>
+    <cs:fontRef idx="minor">
+      <a:schemeClr val="tx1"/>
+    </cs:fontRef>
+  </cs:plotArea3D>
+  <cs:seriesAxis>
+    <cs:lnRef idx="0"/>
+    <cs:fillRef idx="0"/>
+    <cs:effectRef idx="0"/>
+    <cs:fontRef idx="minor">
+      <a:schemeClr val="tx1">
+        <a:lumMod val="65000"/>
+        <a:lumOff val="35000"/>
+      </a:schemeClr>
+    </cs:fontRef>
+    <cs:defRPr sz="1197" kern="1200"/>
+  </cs:seriesAxis>
+  <cs:seriesLine>
+    <cs:lnRef idx="0"/>
+    <cs:fillRef idx="0"/>
+    <cs:effectRef idx="0"/>
+    <cs:fontRef idx="minor">
+      <a:schemeClr val="tx1"/>
+    </cs:fontRef>
+    <cs:spPr>
+      <a:ln w="9525" cap="flat" cmpd="sng" algn="ctr">
+        <a:solidFill>
+          <a:schemeClr val="tx1">
+            <a:lumMod val="35000"/>
+            <a:lumOff val="65000"/>
+          </a:schemeClr>
+        </a:solidFill>
+        <a:round/>
+      </a:ln>
+    </cs:spPr>
+  </cs:seriesLine>
+  <cs:title>
+    <cs:lnRef idx="0"/>
+    <cs:fillRef idx="0"/>
+    <cs:effectRef idx="0"/>
+    <cs:fontRef idx="minor">
+      <a:schemeClr val="tx1">
+        <a:lumMod val="65000"/>
+        <a:lumOff val="35000"/>
+      </a:schemeClr>
+    </cs:fontRef>
+    <cs:defRPr sz="1862" b="0" kern="1200" spc="0" baseline="0"/>
+  </cs:title>
+  <cs:trendline>
+    <cs:lnRef idx="0">
+      <cs:styleClr val="auto"/>
+    </cs:lnRef>
+    <cs:fillRef idx="0"/>
+    <cs:effectRef idx="0"/>
+    <cs:fontRef idx="minor">
+      <a:schemeClr val="tx1"/>
+    </cs:fontRef>
+    <cs:spPr>
+      <a:ln w="19050" cap="rnd">
+        <a:solidFill>
+          <a:schemeClr val="phClr"/>
+        </a:solidFill>
+        <a:prstDash val="sysDot"/>
+      </a:ln>
+    </cs:spPr>
+  </cs:trendline>
+  <cs:trendlineLabel>
+    <cs:lnRef idx="0"/>
+    <cs:fillRef idx="0"/>
+    <cs:effectRef idx="0"/>
+    <cs:fontRef idx="minor">
+      <a:schemeClr val="tx1">
+        <a:lumMod val="65000"/>
+        <a:lumOff val="35000"/>
+      </a:schemeClr>
+    </cs:fontRef>
+    <cs:defRPr sz="1197" kern="1200"/>
+  </cs:trendlineLabel>
+  <cs:upBar>
+    <cs:lnRef idx="0"/>
+    <cs:fillRef idx="0"/>
+    <cs:effectRef idx="0"/>
+    <cs:fontRef idx="minor">
+      <a:schemeClr val="dk1"/>
+    </cs:fontRef>
+    <cs:spPr>
+      <a:solidFill>
+        <a:schemeClr val="lt1"/>
+      </a:solidFill>
+      <a:ln w="9525">
+        <a:solidFill>
+          <a:schemeClr val="tx1">
+            <a:lumMod val="15000"/>
+            <a:lumOff val="85000"/>
+          </a:schemeClr>
+        </a:solidFill>
+      </a:ln>
+    </cs:spPr>
+  </cs:upBar>
+  <cs:valueAxis>
+    <cs:lnRef idx="0"/>
+    <cs:fillRef idx="0"/>
+    <cs:effectRef idx="0"/>
+    <cs:fontRef idx="minor">
+      <a:schemeClr val="tx1">
+        <a:lumMod val="65000"/>
+        <a:lumOff val="35000"/>
+      </a:schemeClr>
+    </cs:fontRef>
+    <cs:defRPr sz="1197" kern="1200"/>
+  </cs:valueAxis>
+  <cs:wall>
+    <cs:lnRef idx="0"/>
+    <cs:fillRef idx="0"/>
+    <cs:effectRef idx="0"/>
+    <cs:fontRef idx="minor">
+      <a:schemeClr val="tx1"/>
+    </cs:fontRef>
+    <cs:spPr>
+      <a:noFill/>
+      <a:ln>
+        <a:noFill/>
+      </a:ln>
+    </cs:spPr>
+  </cs:wall>
+</cs:chartStyle>
 </file>
 
 <file path=ppt/slideLayouts/slideLayout1.xml><?xml version="1.0" encoding="utf-8"?>
@@ -3867,10 +4474,13 @@
             <a:gs pos="69000">
               <a:schemeClr val="accent1"/>
             </a:gs>
-            <a:gs pos="6000">
-              <a:srgbClr val="0C295B"/>
+            <a:gs pos="0">
+              <a:srgbClr val="00B0F0"/>
             </a:gs>
-            <a:gs pos="30000">
+            <a:gs pos="95000">
+              <a:srgbClr val="7030A0"/>
+            </a:gs>
+            <a:gs pos="11000">
               <a:srgbClr val="17305D"/>
             </a:gs>
             <a:gs pos="48000">
@@ -3904,10 +4514,10 @@
       </p:grpSpPr>
       <p:sp>
         <p:nvSpPr>
-          <p:cNvPr id="2" name="Prostokąt 4">
-            <a:extLst>
-              <a:ext uri="{FF2B5EF4-FFF2-40B4-BE49-F238E27FC236}">
-                <a16:creationId xmlns:a16="http://schemas.microsoft.com/office/drawing/2014/main" id="{0D65D3A3-0755-4B5A-8249-494174453D32}"/>
+          <p:cNvPr id="27" name="Prostokąt: zaokrąglone rogi 26">
+            <a:extLst>
+              <a:ext uri="{FF2B5EF4-FFF2-40B4-BE49-F238E27FC236}">
+                <a16:creationId xmlns:a16="http://schemas.microsoft.com/office/drawing/2014/main" id="{07081B63-7EAD-462E-B3DD-B67A70743ACB}"/>
               </a:ext>
             </a:extLst>
           </p:cNvPr>
@@ -3916,8 +4526,157 @@
         </p:nvSpPr>
         <p:spPr>
           <a:xfrm>
-            <a:off x="2461994" y="1150690"/>
-            <a:ext cx="16459629" cy="6109426"/>
+            <a:off x="-713988" y="13014898"/>
+            <a:ext cx="15133704" cy="2242791"/>
+          </a:xfrm>
+          <a:prstGeom prst="roundRect">
+            <a:avLst/>
+          </a:prstGeom>
+          <a:solidFill>
+            <a:schemeClr val="bg1"/>
+          </a:solidFill>
+        </p:spPr>
+        <p:style>
+          <a:lnRef idx="2">
+            <a:schemeClr val="accent1">
+              <a:shade val="50000"/>
+            </a:schemeClr>
+          </a:lnRef>
+          <a:fillRef idx="1">
+            <a:schemeClr val="accent1"/>
+          </a:fillRef>
+          <a:effectRef idx="0">
+            <a:schemeClr val="accent1"/>
+          </a:effectRef>
+          <a:fontRef idx="minor">
+            <a:schemeClr val="lt1"/>
+          </a:fontRef>
+        </p:style>
+        <p:txBody>
+          <a:bodyPr rtlCol="0" anchor="ctr"/>
+          <a:lstStyle/>
+          <a:p>
+            <a:pPr algn="ctr"/>
+            <a:endParaRPr lang="pl-PL"/>
+          </a:p>
+        </p:txBody>
+      </p:sp>
+      <p:sp>
+        <p:nvSpPr>
+          <p:cNvPr id="11" name="Prostokąt 10">
+            <a:extLst>
+              <a:ext uri="{FF2B5EF4-FFF2-40B4-BE49-F238E27FC236}">
+                <a16:creationId xmlns:a16="http://schemas.microsoft.com/office/drawing/2014/main" id="{EE0B91DF-C4FD-4796-95A8-DBF4502178B9}"/>
+              </a:ext>
+            </a:extLst>
+          </p:cNvPr>
+          <p:cNvSpPr/>
+          <p:nvPr/>
+        </p:nvSpPr>
+        <p:spPr>
+          <a:xfrm>
+            <a:off x="0" y="17939830"/>
+            <a:ext cx="9418861" cy="4180815"/>
+          </a:xfrm>
+          <a:prstGeom prst="rect">
+            <a:avLst/>
+          </a:prstGeom>
+          <a:solidFill>
+            <a:schemeClr val="bg1">
+              <a:alpha val="47000"/>
+            </a:schemeClr>
+          </a:solidFill>
+        </p:spPr>
+        <p:style>
+          <a:lnRef idx="2">
+            <a:schemeClr val="accent1">
+              <a:shade val="50000"/>
+            </a:schemeClr>
+          </a:lnRef>
+          <a:fillRef idx="1">
+            <a:schemeClr val="accent1"/>
+          </a:fillRef>
+          <a:effectRef idx="0">
+            <a:schemeClr val="accent1"/>
+          </a:effectRef>
+          <a:fontRef idx="minor">
+            <a:schemeClr val="lt1"/>
+          </a:fontRef>
+        </p:style>
+        <p:txBody>
+          <a:bodyPr rtlCol="0" anchor="ctr"/>
+          <a:lstStyle/>
+          <a:p>
+            <a:pPr algn="ctr"/>
+            <a:endParaRPr lang="pl-PL" dirty="0"/>
+          </a:p>
+        </p:txBody>
+      </p:sp>
+      <p:sp>
+        <p:nvSpPr>
+          <p:cNvPr id="10" name="Prostokąt 9">
+            <a:extLst>
+              <a:ext uri="{FF2B5EF4-FFF2-40B4-BE49-F238E27FC236}">
+                <a16:creationId xmlns:a16="http://schemas.microsoft.com/office/drawing/2014/main" id="{05A6E35B-17E3-47EC-97DB-E8D4F4847B8D}"/>
+              </a:ext>
+            </a:extLst>
+          </p:cNvPr>
+          <p:cNvSpPr/>
+          <p:nvPr/>
+        </p:nvSpPr>
+        <p:spPr>
+          <a:xfrm>
+            <a:off x="12084131" y="15564499"/>
+            <a:ext cx="9418861" cy="4180815"/>
+          </a:xfrm>
+          <a:prstGeom prst="rect">
+            <a:avLst/>
+          </a:prstGeom>
+          <a:solidFill>
+            <a:schemeClr val="bg1"/>
+          </a:solidFill>
+        </p:spPr>
+        <p:style>
+          <a:lnRef idx="2">
+            <a:schemeClr val="accent1">
+              <a:shade val="50000"/>
+            </a:schemeClr>
+          </a:lnRef>
+          <a:fillRef idx="1">
+            <a:schemeClr val="accent1"/>
+          </a:fillRef>
+          <a:effectRef idx="0">
+            <a:schemeClr val="accent1"/>
+          </a:effectRef>
+          <a:fontRef idx="minor">
+            <a:schemeClr val="lt1"/>
+          </a:fontRef>
+        </p:style>
+        <p:txBody>
+          <a:bodyPr rtlCol="0" anchor="ctr"/>
+          <a:lstStyle/>
+          <a:p>
+            <a:pPr algn="ctr"/>
+            <a:endParaRPr lang="pl-PL"/>
+          </a:p>
+        </p:txBody>
+      </p:sp>
+      <p:sp>
+        <p:nvSpPr>
+          <p:cNvPr id="2" name="Prostokąt 4">
+            <a:extLst>
+              <a:ext uri="{FF2B5EF4-FFF2-40B4-BE49-F238E27FC236}">
+                <a16:creationId xmlns:a16="http://schemas.microsoft.com/office/drawing/2014/main" id="{0D65D3A3-0755-4B5A-8249-494174453D32}"/>
+              </a:ext>
+            </a:extLst>
+          </p:cNvPr>
+          <p:cNvSpPr/>
+          <p:nvPr/>
+        </p:nvSpPr>
+        <p:spPr>
+          <a:xfrm>
+            <a:off x="2252336" y="1475186"/>
+            <a:ext cx="16878951" cy="6109429"/>
           </a:xfrm>
           <a:prstGeom prst="rect">
             <a:avLst/>
@@ -3929,7 +4688,7 @@
           </a:ln>
         </p:spPr>
         <p:txBody>
-          <a:bodyPr vert="horz" wrap="none" lIns="91440" tIns="45720" rIns="91440" bIns="45720" anchor="t" anchorCtr="1" compatLnSpc="1">
+          <a:bodyPr vert="horz" wrap="square" lIns="91440" tIns="45720" rIns="91440" bIns="45720" anchor="t" anchorCtr="1" compatLnSpc="1">
             <a:spAutoFit/>
           </a:bodyPr>
           <a:lstStyle/>
@@ -3954,7 +4713,7 @@
               </a:defRPr>
             </a:pPr>
             <a:r>
-              <a:rPr lang="pl-PL" sz="12000" b="0" i="0" u="none" strike="noStrike" kern="1200" cap="none" spc="0" baseline="0">
+              <a:rPr lang="pl-PL" sz="12000" b="0" i="0" u="none" strike="noStrike" kern="1200" cap="none" spc="0" baseline="0" dirty="0">
                 <a:solidFill>
                   <a:srgbClr val="FFFFFF"/>
                 </a:solidFill>
@@ -3987,7 +4746,7 @@
               </a:defRPr>
             </a:pPr>
             <a:r>
-              <a:rPr lang="pl-PL" sz="12000" b="0" i="0" u="none" strike="noStrike" kern="1200" cap="none" spc="0" baseline="0">
+              <a:rPr lang="pl-PL" sz="12000" b="0" i="0" u="none" strike="noStrike" kern="1200" cap="none" spc="0" baseline="0" dirty="0">
                 <a:solidFill>
                   <a:srgbClr val="FFFFFF"/>
                 </a:solidFill>
@@ -4020,7 +4779,7 @@
               </a:defRPr>
             </a:pPr>
             <a:r>
-              <a:rPr lang="pl-PL" sz="12000" b="0" i="0" u="none" strike="noStrike" kern="1200" cap="none" spc="0" baseline="0">
+              <a:rPr lang="pl-PL" sz="12000" b="0" i="0" u="none" strike="noStrike" kern="1200" cap="none" spc="0" baseline="0" dirty="0">
                 <a:solidFill>
                   <a:srgbClr val="FFFFFF"/>
                 </a:solidFill>
@@ -4031,7 +4790,7 @@
               </a:rPr>
               <a:t>DATA</a:t>
             </a:r>
-            <a:endParaRPr lang="pl-PL" sz="12000" b="0" i="0" u="none" strike="noStrike" kern="1200" cap="none" spc="0" baseline="0">
+            <a:endParaRPr lang="pl-PL" sz="12000" b="0" i="0" u="none" strike="noStrike" kern="1200" cap="none" spc="0" baseline="0" dirty="0">
               <a:solidFill>
                 <a:srgbClr val="FFFFFF"/>
               </a:solidFill>
@@ -4057,7 +4816,7 @@
         </p:nvSpPr>
         <p:spPr>
           <a:xfrm>
-            <a:off x="501447" y="9114501"/>
+            <a:off x="543193" y="13413754"/>
             <a:ext cx="13599432" cy="1200332"/>
           </a:xfrm>
           <a:prstGeom prst="rect">
@@ -4094,14 +4853,39 @@
               </a:defRPr>
             </a:pPr>
             <a:r>
-              <a:rPr lang="pl-PL" sz="7200" b="0" i="0" u="none" strike="noStrike" kern="1200" cap="none" spc="0" baseline="0">
-                <a:solidFill>
-                  <a:srgbClr val="FFFFFF"/>
-                </a:solidFill>
+              <a:rPr lang="pl-PL" sz="7200" b="0" i="0" u="none" strike="noStrike" kern="1200" cap="none" spc="0" baseline="0" dirty="0">
                 <a:uFillTx/>
                 <a:latin typeface="Calibri"/>
               </a:rPr>
-              <a:t>No projekt super i wgl ogónie spoko</a:t>
+              <a:t>No projekt super i </a:t>
+            </a:r>
+            <a:r>
+              <a:rPr lang="pl-PL" sz="7200" b="0" i="0" u="none" strike="noStrike" kern="1200" cap="none" spc="0" baseline="0" dirty="0" err="1">
+                <a:uFillTx/>
+                <a:latin typeface="Calibri"/>
+              </a:rPr>
+              <a:t>wgl</a:t>
+            </a:r>
+            <a:r>
+              <a:rPr lang="pl-PL" sz="7200" b="0" i="0" u="none" strike="noStrike" kern="1200" cap="none" spc="0" baseline="0" dirty="0">
+                <a:uFillTx/>
+                <a:latin typeface="Calibri"/>
+              </a:rPr>
+              <a:t> </a:t>
+            </a:r>
+            <a:r>
+              <a:rPr lang="pl-PL" sz="7200" b="0" i="0" u="none" strike="noStrike" kern="1200" cap="none" spc="0" baseline="0" dirty="0" err="1">
+                <a:uFillTx/>
+                <a:latin typeface="Calibri"/>
+              </a:rPr>
+              <a:t>ogónie</a:t>
+            </a:r>
+            <a:r>
+              <a:rPr lang="pl-PL" sz="7200" b="0" i="0" u="none" strike="noStrike" kern="1200" cap="none" spc="0" baseline="0" dirty="0">
+                <a:uFillTx/>
+                <a:latin typeface="Calibri"/>
+              </a:rPr>
+              <a:t> spoko</a:t>
             </a:r>
           </a:p>
         </p:txBody>
@@ -4134,8 +4918,8 @@
         </p:blipFill>
         <p:spPr>
           <a:xfrm>
-            <a:off x="14100870" y="10314834"/>
-            <a:ext cx="6781309" cy="6781309"/>
+            <a:off x="18761313" y="15777256"/>
+            <a:ext cx="2162574" cy="2162574"/>
           </a:xfrm>
           <a:prstGeom prst="rect">
             <a:avLst/>
@@ -4146,12 +4930,113 @@
           </a:ln>
         </p:spPr>
       </p:pic>
-      <p:sp>
-        <p:nvSpPr>
-          <p:cNvPr id="5" name="pole tekstowe 12">
-            <a:extLst>
-              <a:ext uri="{FF2B5EF4-FFF2-40B4-BE49-F238E27FC236}">
-                <a16:creationId xmlns:a16="http://schemas.microsoft.com/office/drawing/2014/main" id="{8C708835-CE9C-4B08-A119-3DE39831265C}"/>
+      <p:pic>
+        <p:nvPicPr>
+          <p:cNvPr id="8" name="Obraz 18">
+            <a:extLst>
+              <a:ext uri="{FF2B5EF4-FFF2-40B4-BE49-F238E27FC236}">
+                <a16:creationId xmlns:a16="http://schemas.microsoft.com/office/drawing/2014/main" id="{D3240F09-0ECE-4265-9C16-144E4F9E1760}"/>
+              </a:ext>
+            </a:extLst>
+          </p:cNvPr>
+          <p:cNvPicPr>
+            <a:picLocks noChangeAspect="1"/>
+          </p:cNvPicPr>
+          <p:nvPr/>
+        </p:nvPicPr>
+        <p:blipFill>
+          <a:blip r:embed="rId4"/>
+          <a:stretch>
+            <a:fillRect/>
+          </a:stretch>
+        </p:blipFill>
+        <p:spPr>
+          <a:xfrm>
+            <a:off x="17540332" y="18311727"/>
+            <a:ext cx="2717706" cy="914491"/>
+          </a:xfrm>
+          <a:prstGeom prst="rect">
+            <a:avLst/>
+          </a:prstGeom>
+          <a:noFill/>
+          <a:ln cap="flat">
+            <a:noFill/>
+          </a:ln>
+        </p:spPr>
+      </p:pic>
+      <p:pic>
+        <p:nvPicPr>
+          <p:cNvPr id="18" name="Grafika 17" descr="Medycyna">
+            <a:extLst>
+              <a:ext uri="{FF2B5EF4-FFF2-40B4-BE49-F238E27FC236}">
+                <a16:creationId xmlns:a16="http://schemas.microsoft.com/office/drawing/2014/main" id="{79F79783-558D-4104-BCBC-20CD070E8A70}"/>
+              </a:ext>
+            </a:extLst>
+          </p:cNvPr>
+          <p:cNvPicPr>
+            <a:picLocks noChangeAspect="1"/>
+          </p:cNvPicPr>
+          <p:nvPr/>
+        </p:nvPicPr>
+        <p:blipFill>
+          <a:blip r:embed="rId5">
+            <a:extLst>
+              <a:ext uri="{28A0092B-C50C-407E-A947-70E740481C1C}">
+                <a14:useLocalDpi xmlns:a14="http://schemas.microsoft.com/office/drawing/2010/main" val="0"/>
+              </a:ext>
+              <a:ext uri="{96DAC541-7B7A-43D3-8B79-37D633B846F1}">
+                <asvg:svgBlip xmlns:asvg="http://schemas.microsoft.com/office/drawing/2016/SVG/main" r:embed="rId6"/>
+              </a:ext>
+            </a:extLst>
+          </a:blip>
+          <a:stretch>
+            <a:fillRect/>
+          </a:stretch>
+        </p:blipFill>
+        <p:spPr>
+          <a:xfrm>
+            <a:off x="8763987" y="7174846"/>
+            <a:ext cx="3855648" cy="3855648"/>
+          </a:xfrm>
+          <a:prstGeom prst="rect">
+            <a:avLst/>
+          </a:prstGeom>
+        </p:spPr>
+      </p:pic>
+      <p:graphicFrame>
+        <p:nvGraphicFramePr>
+          <p:cNvPr id="21" name="Wykres 20">
+            <a:extLst>
+              <a:ext uri="{FF2B5EF4-FFF2-40B4-BE49-F238E27FC236}">
+                <a16:creationId xmlns:a16="http://schemas.microsoft.com/office/drawing/2014/main" id="{70ECC3A5-BE8A-48A9-BA50-563BCDAB2B08}"/>
+              </a:ext>
+            </a:extLst>
+          </p:cNvPr>
+          <p:cNvGraphicFramePr/>
+          <p:nvPr>
+            <p:extLst>
+              <p:ext uri="{D42A27DB-BD31-4B8C-83A1-F6EECF244321}">
+                <p14:modId xmlns:p14="http://schemas.microsoft.com/office/powerpoint/2010/main" val="3461756001"/>
+              </p:ext>
+            </p:extLst>
+          </p:nvPr>
+        </p:nvGraphicFramePr>
+        <p:xfrm>
+          <a:off x="9128576" y="22427455"/>
+          <a:ext cx="11059065" cy="6290507"/>
+        </p:xfrm>
+        <a:graphic>
+          <a:graphicData uri="http://schemas.openxmlformats.org/drawingml/2006/chart">
+            <c:chart xmlns:c="http://schemas.openxmlformats.org/drawingml/2006/chart" xmlns:r="http://schemas.openxmlformats.org/officeDocument/2006/relationships" r:id="rId7"/>
+          </a:graphicData>
+        </a:graphic>
+      </p:graphicFrame>
+      <p:sp>
+        <p:nvSpPr>
+          <p:cNvPr id="26" name="pole tekstowe 12">
+            <a:extLst>
+              <a:ext uri="{FF2B5EF4-FFF2-40B4-BE49-F238E27FC236}">
+                <a16:creationId xmlns:a16="http://schemas.microsoft.com/office/drawing/2014/main" id="{96375C74-A833-4AAC-AFC1-66006B22E6C1}"/>
               </a:ext>
             </a:extLst>
           </p:cNvPr>
@@ -4160,7 +5045,7 @@
         </p:nvSpPr>
         <p:spPr>
           <a:xfrm>
-            <a:off x="501447" y="18777176"/>
+            <a:off x="2014314" y="19549642"/>
             <a:ext cx="5635904" cy="1200332"/>
           </a:xfrm>
           <a:prstGeom prst="rect">
@@ -4197,10 +5082,7 @@
               </a:defRPr>
             </a:pPr>
             <a:r>
-              <a:rPr lang="pl-PL" sz="7200" b="0" i="0" u="none" strike="noStrike" kern="1200" cap="none" spc="0" baseline="0">
-                <a:solidFill>
-                  <a:srgbClr val="FFFFFF"/>
-                </a:solidFill>
+              <a:rPr lang="pl-PL" sz="7200" b="0" i="0" u="none" strike="noStrike" kern="1200" cap="none" spc="0" baseline="0" dirty="0">
                 <a:uFillTx/>
                 <a:latin typeface="Calibri"/>
               </a:rPr>
@@ -4209,97 +5091,12 @@
           </a:p>
         </p:txBody>
       </p:sp>
-      <p:sp>
-        <p:nvSpPr>
-          <p:cNvPr id="6" name="pole tekstowe 13">
-            <a:extLst>
-              <a:ext uri="{FF2B5EF4-FFF2-40B4-BE49-F238E27FC236}">
-                <a16:creationId xmlns:a16="http://schemas.microsoft.com/office/drawing/2014/main" id="{5B0CEA60-75A7-4C1A-89DB-3495D4281D0C}"/>
-              </a:ext>
-            </a:extLst>
-          </p:cNvPr>
-          <p:cNvSpPr txBox="1"/>
-          <p:nvPr/>
-        </p:nvSpPr>
-        <p:spPr>
-          <a:xfrm>
-            <a:off x="13688193" y="21699022"/>
-            <a:ext cx="3352327" cy="1200332"/>
-          </a:xfrm>
-          <a:prstGeom prst="rect">
-            <a:avLst/>
-          </a:prstGeom>
-          <a:noFill/>
-          <a:ln cap="flat">
-            <a:noFill/>
-          </a:ln>
-        </p:spPr>
-        <p:txBody>
-          <a:bodyPr vert="horz" wrap="none" lIns="91440" tIns="45720" rIns="91440" bIns="45720" anchor="t" anchorCtr="0" compatLnSpc="1">
-            <a:spAutoFit/>
-          </a:bodyPr>
-          <a:lstStyle/>
-          <a:p>
-            <a:pPr marL="0" marR="0" lvl="0" indent="0" algn="l" defTabSz="914400" rtl="0" fontAlgn="auto" hangingPunct="1">
-              <a:lnSpc>
-                <a:spcPct val="100000"/>
-              </a:lnSpc>
-              <a:spcBef>
-                <a:spcPts val="0"/>
-              </a:spcBef>
-              <a:spcAft>
-                <a:spcPts val="0"/>
-              </a:spcAft>
-              <a:buNone/>
-              <a:tabLst/>
-              <a:defRPr sz="1800" b="0" i="0" u="none" strike="noStrike" kern="0" cap="none" spc="0" baseline="0">
-                <a:solidFill>
-                  <a:srgbClr val="000000"/>
-                </a:solidFill>
-                <a:uFillTx/>
-              </a:defRPr>
-            </a:pPr>
-            <a:r>
-              <a:rPr lang="pl-PL" sz="7200" b="0" i="0" u="none" strike="noStrike" kern="1200" cap="none" spc="0" baseline="0">
-                <a:solidFill>
-                  <a:srgbClr val="FFFFFF"/>
-                </a:solidFill>
-                <a:uFillTx/>
-                <a:latin typeface="Calibri"/>
-              </a:rPr>
-              <a:t>Wykresy</a:t>
-            </a:r>
-          </a:p>
-        </p:txBody>
-      </p:sp>
-      <p:graphicFrame>
-        <p:nvGraphicFramePr>
-          <p:cNvPr id="7" name="Wykres 16">
-            <a:extLst>
-              <a:ext uri="{FF2B5EF4-FFF2-40B4-BE49-F238E27FC236}">
-                <a16:creationId xmlns:a16="http://schemas.microsoft.com/office/drawing/2014/main" id="{BE942C8F-30A1-486F-8A1C-4206E2ABB5DC}"/>
-              </a:ext>
-            </a:extLst>
-          </p:cNvPr>
-          <p:cNvGraphicFramePr/>
-          <p:nvPr/>
-        </p:nvGraphicFramePr>
-        <p:xfrm>
-          <a:off x="11908971" y="24194969"/>
-          <a:ext cx="7372414" cy="4657660"/>
-        </p:xfrm>
-        <a:graphic>
-          <a:graphicData uri="http://schemas.openxmlformats.org/drawingml/2006/chart">
-            <c:chart xmlns:c="http://schemas.openxmlformats.org/drawingml/2006/chart" xmlns:r="http://schemas.openxmlformats.org/officeDocument/2006/relationships" r:id="rId4"/>
-          </a:graphicData>
-        </a:graphic>
-      </p:graphicFrame>
       <p:pic>
         <p:nvPicPr>
-          <p:cNvPr id="8" name="Obraz 18">
-            <a:extLst>
-              <a:ext uri="{FF2B5EF4-FFF2-40B4-BE49-F238E27FC236}">
-                <a16:creationId xmlns:a16="http://schemas.microsoft.com/office/drawing/2014/main" id="{D3240F09-0ECE-4265-9C16-144E4F9E1760}"/>
+          <p:cNvPr id="28" name="Obraz 20">
+            <a:extLst>
+              <a:ext uri="{FF2B5EF4-FFF2-40B4-BE49-F238E27FC236}">
+                <a16:creationId xmlns:a16="http://schemas.microsoft.com/office/drawing/2014/main" id="{1695D539-A9E6-4F45-AAEC-F68FC2824E69}"/>
               </a:ext>
             </a:extLst>
           </p:cNvPr>
@@ -4309,48 +5106,14 @@
           <p:nvPr/>
         </p:nvPicPr>
         <p:blipFill>
-          <a:blip r:embed="rId5"/>
+          <a:blip r:embed="rId8"/>
           <a:stretch>
             <a:fillRect/>
           </a:stretch>
         </p:blipFill>
         <p:spPr>
           <a:xfrm>
-            <a:off x="11383164" y="16140165"/>
-            <a:ext cx="2717706" cy="914491"/>
-          </a:xfrm>
-          <a:prstGeom prst="rect">
-            <a:avLst/>
-          </a:prstGeom>
-          <a:noFill/>
-          <a:ln cap="flat">
-            <a:noFill/>
-          </a:ln>
-        </p:spPr>
-      </p:pic>
-      <p:pic>
-        <p:nvPicPr>
-          <p:cNvPr id="9" name="Obraz 20">
-            <a:extLst>
-              <a:ext uri="{FF2B5EF4-FFF2-40B4-BE49-F238E27FC236}">
-                <a16:creationId xmlns:a16="http://schemas.microsoft.com/office/drawing/2014/main" id="{3A2F358B-C11D-4DC5-9C7A-F100432AAE4F}"/>
-              </a:ext>
-            </a:extLst>
-          </p:cNvPr>
-          <p:cNvPicPr>
-            <a:picLocks noChangeAspect="1"/>
-          </p:cNvPicPr>
-          <p:nvPr/>
-        </p:nvPicPr>
-        <p:blipFill>
-          <a:blip r:embed="rId6"/>
-          <a:stretch>
-            <a:fillRect/>
-          </a:stretch>
-        </p:blipFill>
-        <p:spPr>
-          <a:xfrm>
-            <a:off x="9527718" y="12925528"/>
+            <a:off x="12619635" y="16771510"/>
             <a:ext cx="4762496" cy="1428750"/>
           </a:xfrm>
           <a:prstGeom prst="rect">
@@ -4362,6 +5125,46 @@
           </a:ln>
         </p:spPr>
       </p:pic>
+      <p:sp>
+        <p:nvSpPr>
+          <p:cNvPr id="29" name="pole tekstowe 28">
+            <a:extLst>
+              <a:ext uri="{FF2B5EF4-FFF2-40B4-BE49-F238E27FC236}">
+                <a16:creationId xmlns:a16="http://schemas.microsoft.com/office/drawing/2014/main" id="{D4112752-2BA1-4C43-8814-A0286DD90F53}"/>
+              </a:ext>
+            </a:extLst>
+          </p:cNvPr>
+          <p:cNvSpPr txBox="1"/>
+          <p:nvPr/>
+        </p:nvSpPr>
+        <p:spPr>
+          <a:xfrm>
+            <a:off x="1040537" y="11204777"/>
+            <a:ext cx="19302548" cy="769441"/>
+          </a:xfrm>
+          <a:prstGeom prst="rect">
+            <a:avLst/>
+          </a:prstGeom>
+          <a:noFill/>
+        </p:spPr>
+        <p:txBody>
+          <a:bodyPr wrap="square" rtlCol="0">
+            <a:spAutoFit/>
+          </a:bodyPr>
+          <a:lstStyle/>
+          <a:p>
+            <a:pPr algn="ctr"/>
+            <a:r>
+              <a:rPr lang="pl-PL" sz="4400" dirty="0">
+                <a:solidFill>
+                  <a:schemeClr val="bg1"/>
+                </a:solidFill>
+              </a:rPr>
+              <a:t>WOJCIECH ADAMEK | DOMINIKA MAŚLANKA | JAKUB WALECKI | JACEK ZALEWSKI</a:t>
+            </a:r>
+          </a:p>
+        </p:txBody>
+      </p:sp>
     </p:spTree>
   </p:cSld>
   <p:clrMapOvr>
